--- a/영역.pptx
+++ b/영역.pptx
@@ -11,6 +11,7 @@
     <p:sldId id="259" r:id="rId5"/>
     <p:sldId id="261" r:id="rId6"/>
     <p:sldId id="262" r:id="rId7"/>
+    <p:sldId id="263" r:id="rId8"/>
   </p:sldIdLst>
   <p:sldSz cx="12192000" cy="6858000"/>
   <p:notesSz cx="6858000" cy="9144000"/>
@@ -7911,6 +7912,1897 @@
     <p:extLst>
       <p:ext uri="{BB962C8B-B14F-4D97-AF65-F5344CB8AC3E}">
         <p14:creationId xmlns:p14="http://schemas.microsoft.com/office/powerpoint/2010/main" val="1491908701"/>
+      </p:ext>
+    </p:extLst>
+  </p:cSld>
+  <p:clrMapOvr>
+    <a:masterClrMapping/>
+  </p:clrMapOvr>
+</p:sld>
+</file>
+
+<file path=ppt/slides/slide7.xml><?xml version="1.0" encoding="utf-8"?>
+<p:sld xmlns:a="http://schemas.openxmlformats.org/drawingml/2006/main" xmlns:r="http://schemas.openxmlformats.org/officeDocument/2006/relationships" xmlns:p="http://schemas.openxmlformats.org/presentationml/2006/main">
+  <p:cSld>
+    <p:spTree>
+      <p:nvGrpSpPr>
+        <p:cNvPr id="1" name="">
+          <a:extLst>
+            <a:ext uri="{FF2B5EF4-FFF2-40B4-BE49-F238E27FC236}">
+              <a16:creationId xmlns:a16="http://schemas.microsoft.com/office/drawing/2014/main" id="{2A34B68D-BC32-9337-ABD1-5A9100192C8D}"/>
+            </a:ext>
+          </a:extLst>
+        </p:cNvPr>
+        <p:cNvGrpSpPr/>
+        <p:nvPr/>
+      </p:nvGrpSpPr>
+      <p:grpSpPr>
+        <a:xfrm>
+          <a:off x="0" y="0"/>
+          <a:ext cx="0" cy="0"/>
+          <a:chOff x="0" y="0"/>
+          <a:chExt cx="0" cy="0"/>
+        </a:xfrm>
+      </p:grpSpPr>
+      <p:sp>
+        <p:nvSpPr>
+          <p:cNvPr id="5" name="직사각형 4">
+            <a:extLst>
+              <a:ext uri="{FF2B5EF4-FFF2-40B4-BE49-F238E27FC236}">
+                <a16:creationId xmlns:a16="http://schemas.microsoft.com/office/drawing/2014/main" id="{A03738AF-473D-0FCF-1B29-36300F3A834A}"/>
+              </a:ext>
+            </a:extLst>
+          </p:cNvPr>
+          <p:cNvSpPr/>
+          <p:nvPr/>
+        </p:nvSpPr>
+        <p:spPr>
+          <a:xfrm>
+            <a:off x="859792" y="99386"/>
+            <a:ext cx="9589325" cy="5979226"/>
+          </a:xfrm>
+          <a:prstGeom prst="rect">
+            <a:avLst/>
+          </a:prstGeom>
+        </p:spPr>
+        <p:style>
+          <a:lnRef idx="2">
+            <a:schemeClr val="accent1">
+              <a:shade val="15000"/>
+            </a:schemeClr>
+          </a:lnRef>
+          <a:fillRef idx="1">
+            <a:schemeClr val="accent1"/>
+          </a:fillRef>
+          <a:effectRef idx="0">
+            <a:schemeClr val="accent1"/>
+          </a:effectRef>
+          <a:fontRef idx="minor">
+            <a:schemeClr val="lt1"/>
+          </a:fontRef>
+        </p:style>
+        <p:txBody>
+          <a:bodyPr rtlCol="0" anchor="ctr"/>
+          <a:lstStyle/>
+          <a:p>
+            <a:pPr algn="ctr"/>
+            <a:endParaRPr lang="ko-KR" altLang="en-US"/>
+          </a:p>
+        </p:txBody>
+      </p:sp>
+      <p:sp>
+        <p:nvSpPr>
+          <p:cNvPr id="6" name="직사각형 5">
+            <a:extLst>
+              <a:ext uri="{FF2B5EF4-FFF2-40B4-BE49-F238E27FC236}">
+                <a16:creationId xmlns:a16="http://schemas.microsoft.com/office/drawing/2014/main" id="{748123D8-6AF8-83FD-2E1A-BF70C635211F}"/>
+              </a:ext>
+            </a:extLst>
+          </p:cNvPr>
+          <p:cNvSpPr/>
+          <p:nvPr/>
+        </p:nvSpPr>
+        <p:spPr>
+          <a:xfrm>
+            <a:off x="1742882" y="312983"/>
+            <a:ext cx="8248011" cy="5486400"/>
+          </a:xfrm>
+          <a:prstGeom prst="rect">
+            <a:avLst/>
+          </a:prstGeom>
+          <a:solidFill>
+            <a:schemeClr val="bg2"/>
+          </a:solidFill>
+        </p:spPr>
+        <p:style>
+          <a:lnRef idx="2">
+            <a:schemeClr val="dk1">
+              <a:shade val="15000"/>
+            </a:schemeClr>
+          </a:lnRef>
+          <a:fillRef idx="1">
+            <a:schemeClr val="dk1"/>
+          </a:fillRef>
+          <a:effectRef idx="0">
+            <a:schemeClr val="dk1"/>
+          </a:effectRef>
+          <a:fontRef idx="minor">
+            <a:schemeClr val="lt1"/>
+          </a:fontRef>
+        </p:style>
+        <p:txBody>
+          <a:bodyPr rtlCol="0" anchor="ctr"/>
+          <a:lstStyle/>
+          <a:p>
+            <a:pPr algn="ctr"/>
+            <a:endParaRPr lang="ko-KR" altLang="en-US"/>
+          </a:p>
+        </p:txBody>
+      </p:sp>
+      <p:sp>
+        <p:nvSpPr>
+          <p:cNvPr id="7" name="직사각형 6">
+            <a:extLst>
+              <a:ext uri="{FF2B5EF4-FFF2-40B4-BE49-F238E27FC236}">
+                <a16:creationId xmlns:a16="http://schemas.microsoft.com/office/drawing/2014/main" id="{4EDC564D-6072-E445-87FC-D4C83B3D5D77}"/>
+              </a:ext>
+            </a:extLst>
+          </p:cNvPr>
+          <p:cNvSpPr/>
+          <p:nvPr/>
+        </p:nvSpPr>
+        <p:spPr>
+          <a:xfrm>
+            <a:off x="1889144" y="779388"/>
+            <a:ext cx="1639580" cy="3242010"/>
+          </a:xfrm>
+          <a:prstGeom prst="rect">
+            <a:avLst/>
+          </a:prstGeom>
+          <a:solidFill>
+            <a:schemeClr val="accent2"/>
+          </a:solidFill>
+        </p:spPr>
+        <p:style>
+          <a:lnRef idx="2">
+            <a:schemeClr val="dk1">
+              <a:shade val="15000"/>
+            </a:schemeClr>
+          </a:lnRef>
+          <a:fillRef idx="1">
+            <a:schemeClr val="dk1"/>
+          </a:fillRef>
+          <a:effectRef idx="0">
+            <a:schemeClr val="dk1"/>
+          </a:effectRef>
+          <a:fontRef idx="minor">
+            <a:schemeClr val="lt1"/>
+          </a:fontRef>
+        </p:style>
+        <p:txBody>
+          <a:bodyPr rtlCol="0" anchor="ctr"/>
+          <a:lstStyle/>
+          <a:p>
+            <a:pPr algn="ctr"/>
+            <a:r>
+              <a:rPr lang="ko-KR" altLang="en-US" dirty="0">
+                <a:solidFill>
+                  <a:sysClr val="windowText" lastClr="000000"/>
+                </a:solidFill>
+              </a:rPr>
+              <a:t>코드 영역</a:t>
+            </a:r>
+            <a:endParaRPr lang="en-US" altLang="ko-KR" dirty="0">
+              <a:solidFill>
+                <a:sysClr val="windowText" lastClr="000000"/>
+              </a:solidFill>
+            </a:endParaRPr>
+          </a:p>
+          <a:p>
+            <a:pPr algn="ctr"/>
+            <a:r>
+              <a:rPr lang="en-US" altLang="ko-KR" dirty="0">
+                <a:solidFill>
+                  <a:sysClr val="windowText" lastClr="000000"/>
+                </a:solidFill>
+              </a:rPr>
+              <a:t>a</a:t>
+            </a:r>
+          </a:p>
+          <a:p>
+            <a:pPr algn="ctr"/>
+            <a:r>
+              <a:rPr lang="en-US" altLang="ko-KR" dirty="0">
+                <a:solidFill>
+                  <a:sysClr val="windowText" lastClr="000000"/>
+                </a:solidFill>
+              </a:rPr>
+              <a:t>b</a:t>
+            </a:r>
+          </a:p>
+          <a:p>
+            <a:pPr algn="ctr"/>
+            <a:endParaRPr lang="en-US" altLang="ko-KR" dirty="0">
+              <a:solidFill>
+                <a:sysClr val="windowText" lastClr="000000"/>
+              </a:solidFill>
+            </a:endParaRPr>
+          </a:p>
+          <a:p>
+            <a:pPr algn="ctr"/>
+            <a:r>
+              <a:rPr lang="en-US" altLang="ko-KR" dirty="0">
+                <a:solidFill>
+                  <a:sysClr val="windowText" lastClr="000000"/>
+                </a:solidFill>
+              </a:rPr>
+              <a:t>d</a:t>
+            </a:r>
+          </a:p>
+          <a:p>
+            <a:pPr algn="ctr"/>
+            <a:endParaRPr lang="en-US" altLang="ko-KR" dirty="0">
+              <a:solidFill>
+                <a:sysClr val="windowText" lastClr="000000"/>
+              </a:solidFill>
+            </a:endParaRPr>
+          </a:p>
+          <a:p>
+            <a:pPr algn="ctr"/>
+            <a:r>
+              <a:rPr lang="en-US" altLang="ko-KR" dirty="0">
+                <a:solidFill>
+                  <a:sysClr val="windowText" lastClr="000000"/>
+                </a:solidFill>
+              </a:rPr>
+              <a:t>e</a:t>
+            </a:r>
+            <a:endParaRPr lang="ko-KR" altLang="en-US" dirty="0">
+              <a:solidFill>
+                <a:sysClr val="windowText" lastClr="000000"/>
+              </a:solidFill>
+            </a:endParaRPr>
+          </a:p>
+        </p:txBody>
+      </p:sp>
+      <p:sp>
+        <p:nvSpPr>
+          <p:cNvPr id="8" name="직사각형 7">
+            <a:extLst>
+              <a:ext uri="{FF2B5EF4-FFF2-40B4-BE49-F238E27FC236}">
+                <a16:creationId xmlns:a16="http://schemas.microsoft.com/office/drawing/2014/main" id="{C31E7B79-F01A-C538-6918-A23298AD4B73}"/>
+              </a:ext>
+            </a:extLst>
+          </p:cNvPr>
+          <p:cNvSpPr/>
+          <p:nvPr/>
+        </p:nvSpPr>
+        <p:spPr>
+          <a:xfrm>
+            <a:off x="3865743" y="779388"/>
+            <a:ext cx="1639580" cy="3242010"/>
+          </a:xfrm>
+          <a:prstGeom prst="rect">
+            <a:avLst/>
+          </a:prstGeom>
+          <a:solidFill>
+            <a:schemeClr val="accent2"/>
+          </a:solidFill>
+        </p:spPr>
+        <p:style>
+          <a:lnRef idx="2">
+            <a:schemeClr val="dk1">
+              <a:shade val="15000"/>
+            </a:schemeClr>
+          </a:lnRef>
+          <a:fillRef idx="1">
+            <a:schemeClr val="dk1"/>
+          </a:fillRef>
+          <a:effectRef idx="0">
+            <a:schemeClr val="dk1"/>
+          </a:effectRef>
+          <a:fontRef idx="minor">
+            <a:schemeClr val="lt1"/>
+          </a:fontRef>
+        </p:style>
+        <p:txBody>
+          <a:bodyPr rtlCol="0" anchor="ctr"/>
+          <a:lstStyle/>
+          <a:p>
+            <a:pPr algn="ctr"/>
+            <a:endParaRPr lang="ko-KR" altLang="en-US" dirty="0">
+              <a:solidFill>
+                <a:sysClr val="windowText" lastClr="000000"/>
+              </a:solidFill>
+            </a:endParaRPr>
+          </a:p>
+        </p:txBody>
+      </p:sp>
+      <p:sp>
+        <p:nvSpPr>
+          <p:cNvPr id="9" name="직사각형 8">
+            <a:extLst>
+              <a:ext uri="{FF2B5EF4-FFF2-40B4-BE49-F238E27FC236}">
+                <a16:creationId xmlns:a16="http://schemas.microsoft.com/office/drawing/2014/main" id="{5F0E47E5-369B-95F1-FCB6-6F95D9635EE1}"/>
+              </a:ext>
+            </a:extLst>
+          </p:cNvPr>
+          <p:cNvSpPr/>
+          <p:nvPr/>
+        </p:nvSpPr>
+        <p:spPr>
+          <a:xfrm>
+            <a:off x="5866888" y="779387"/>
+            <a:ext cx="3448945" cy="4860435"/>
+          </a:xfrm>
+          <a:prstGeom prst="rect">
+            <a:avLst/>
+          </a:prstGeom>
+          <a:solidFill>
+            <a:schemeClr val="accent2"/>
+          </a:solidFill>
+        </p:spPr>
+        <p:style>
+          <a:lnRef idx="2">
+            <a:schemeClr val="dk1">
+              <a:shade val="15000"/>
+            </a:schemeClr>
+          </a:lnRef>
+          <a:fillRef idx="1">
+            <a:schemeClr val="dk1"/>
+          </a:fillRef>
+          <a:effectRef idx="0">
+            <a:schemeClr val="dk1"/>
+          </a:effectRef>
+          <a:fontRef idx="minor">
+            <a:schemeClr val="lt1"/>
+          </a:fontRef>
+        </p:style>
+        <p:txBody>
+          <a:bodyPr rtlCol="0" anchor="ctr"/>
+          <a:lstStyle/>
+          <a:p>
+            <a:pPr algn="ctr"/>
+            <a:endParaRPr lang="ko-KR" altLang="en-US" dirty="0">
+              <a:solidFill>
+                <a:sysClr val="windowText" lastClr="000000"/>
+              </a:solidFill>
+            </a:endParaRPr>
+          </a:p>
+        </p:txBody>
+      </p:sp>
+      <p:sp>
+        <p:nvSpPr>
+          <p:cNvPr id="10" name="TextBox 9">
+            <a:extLst>
+              <a:ext uri="{FF2B5EF4-FFF2-40B4-BE49-F238E27FC236}">
+                <a16:creationId xmlns:a16="http://schemas.microsoft.com/office/drawing/2014/main" id="{EB031B88-9CD1-FEC0-01D7-CBF658A1BFFD}"/>
+              </a:ext>
+            </a:extLst>
+          </p:cNvPr>
+          <p:cNvSpPr txBox="1"/>
+          <p:nvPr/>
+        </p:nvSpPr>
+        <p:spPr>
+          <a:xfrm>
+            <a:off x="2141783" y="312983"/>
+            <a:ext cx="1485132" cy="369332"/>
+          </a:xfrm>
+          <a:prstGeom prst="rect">
+            <a:avLst/>
+          </a:prstGeom>
+          <a:noFill/>
+        </p:spPr>
+        <p:txBody>
+          <a:bodyPr wrap="square" rtlCol="0">
+            <a:spAutoFit/>
+          </a:bodyPr>
+          <a:lstStyle/>
+          <a:p>
+            <a:r>
+              <a:rPr lang="en-US" altLang="ko-KR" dirty="0"/>
+              <a:t>Code</a:t>
+            </a:r>
+            <a:endParaRPr lang="ko-KR" altLang="en-US" dirty="0"/>
+          </a:p>
+        </p:txBody>
+      </p:sp>
+      <p:sp>
+        <p:nvSpPr>
+          <p:cNvPr id="11" name="TextBox 10">
+            <a:extLst>
+              <a:ext uri="{FF2B5EF4-FFF2-40B4-BE49-F238E27FC236}">
+                <a16:creationId xmlns:a16="http://schemas.microsoft.com/office/drawing/2014/main" id="{D0FF65F5-4932-6B43-DFC3-815696F795A7}"/>
+              </a:ext>
+            </a:extLst>
+          </p:cNvPr>
+          <p:cNvSpPr txBox="1"/>
+          <p:nvPr/>
+        </p:nvSpPr>
+        <p:spPr>
+          <a:xfrm>
+            <a:off x="4294816" y="361520"/>
+            <a:ext cx="1485132" cy="369332"/>
+          </a:xfrm>
+          <a:prstGeom prst="rect">
+            <a:avLst/>
+          </a:prstGeom>
+          <a:noFill/>
+        </p:spPr>
+        <p:txBody>
+          <a:bodyPr wrap="square" rtlCol="0">
+            <a:spAutoFit/>
+          </a:bodyPr>
+          <a:lstStyle/>
+          <a:p>
+            <a:r>
+              <a:rPr lang="en-US" altLang="ko-KR" dirty="0"/>
+              <a:t>Stack</a:t>
+            </a:r>
+            <a:endParaRPr lang="ko-KR" altLang="en-US" dirty="0"/>
+          </a:p>
+        </p:txBody>
+      </p:sp>
+      <p:sp>
+        <p:nvSpPr>
+          <p:cNvPr id="19" name="TextBox 18">
+            <a:extLst>
+              <a:ext uri="{FF2B5EF4-FFF2-40B4-BE49-F238E27FC236}">
+                <a16:creationId xmlns:a16="http://schemas.microsoft.com/office/drawing/2014/main" id="{DEAE8E5D-7E51-663F-04A9-EF223365D701}"/>
+              </a:ext>
+            </a:extLst>
+          </p:cNvPr>
+          <p:cNvSpPr txBox="1"/>
+          <p:nvPr/>
+        </p:nvSpPr>
+        <p:spPr>
+          <a:xfrm>
+            <a:off x="6411029" y="493602"/>
+            <a:ext cx="1485132" cy="369332"/>
+          </a:xfrm>
+          <a:prstGeom prst="rect">
+            <a:avLst/>
+          </a:prstGeom>
+          <a:noFill/>
+        </p:spPr>
+        <p:txBody>
+          <a:bodyPr wrap="square" rtlCol="0">
+            <a:spAutoFit/>
+          </a:bodyPr>
+          <a:lstStyle/>
+          <a:p>
+            <a:r>
+              <a:rPr lang="en-US" altLang="ko-KR" dirty="0"/>
+              <a:t>Heap</a:t>
+            </a:r>
+            <a:endParaRPr lang="ko-KR" altLang="en-US" dirty="0"/>
+          </a:p>
+        </p:txBody>
+      </p:sp>
+      <p:sp>
+        <p:nvSpPr>
+          <p:cNvPr id="43" name="TextBox 42">
+            <a:extLst>
+              <a:ext uri="{FF2B5EF4-FFF2-40B4-BE49-F238E27FC236}">
+                <a16:creationId xmlns:a16="http://schemas.microsoft.com/office/drawing/2014/main" id="{7A4B7D08-6DE6-CDDE-B042-49CE5C481AEC}"/>
+              </a:ext>
+            </a:extLst>
+          </p:cNvPr>
+          <p:cNvSpPr txBox="1"/>
+          <p:nvPr/>
+        </p:nvSpPr>
+        <p:spPr>
+          <a:xfrm>
+            <a:off x="2228850" y="4400550"/>
+            <a:ext cx="2235200" cy="369332"/>
+          </a:xfrm>
+          <a:prstGeom prst="rect">
+            <a:avLst/>
+          </a:prstGeom>
+          <a:noFill/>
+        </p:spPr>
+        <p:txBody>
+          <a:bodyPr wrap="square" rtlCol="0">
+            <a:spAutoFit/>
+          </a:bodyPr>
+          <a:lstStyle/>
+          <a:p>
+            <a:r>
+              <a:rPr lang="en-US" altLang="ko-KR" dirty="0"/>
+              <a:t>2</a:t>
+            </a:r>
+            <a:r>
+              <a:rPr lang="ko-KR" altLang="en-US" dirty="0"/>
+              <a:t>차원 배열 관련</a:t>
+            </a:r>
+          </a:p>
+        </p:txBody>
+      </p:sp>
+      <p:graphicFrame>
+        <p:nvGraphicFramePr>
+          <p:cNvPr id="3" name="표 2">
+            <a:extLst>
+              <a:ext uri="{FF2B5EF4-FFF2-40B4-BE49-F238E27FC236}">
+                <a16:creationId xmlns:a16="http://schemas.microsoft.com/office/drawing/2014/main" id="{542EDF3A-5431-7CBB-4E4B-A06C8CF38AB9}"/>
+              </a:ext>
+            </a:extLst>
+          </p:cNvPr>
+          <p:cNvGraphicFramePr>
+            <a:graphicFrameLocks noGrp="1"/>
+          </p:cNvGraphicFramePr>
+          <p:nvPr>
+            <p:extLst>
+              <p:ext uri="{D42A27DB-BD31-4B8C-83A1-F6EECF244321}">
+                <p14:modId xmlns:p14="http://schemas.microsoft.com/office/powerpoint/2010/main" val="923782297"/>
+              </p:ext>
+            </p:extLst>
+          </p:nvPr>
+        </p:nvGraphicFramePr>
+        <p:xfrm>
+          <a:off x="6030328" y="873197"/>
+          <a:ext cx="1312702" cy="370840"/>
+        </p:xfrm>
+        <a:graphic>
+          <a:graphicData uri="http://schemas.openxmlformats.org/drawingml/2006/table">
+            <a:tbl>
+              <a:tblPr firstRow="1" bandRow="1">
+                <a:tableStyleId>{5C22544A-7EE6-4342-B048-85BDC9FD1C3A}</a:tableStyleId>
+              </a:tblPr>
+              <a:tblGrid>
+                <a:gridCol w="249563">
+                  <a:extLst>
+                    <a:ext uri="{9D8B030D-6E8A-4147-A177-3AD203B41FA5}">
+                      <a16:colId xmlns:a16="http://schemas.microsoft.com/office/drawing/2014/main" val="3009937085"/>
+                    </a:ext>
+                  </a:extLst>
+                </a:gridCol>
+                <a:gridCol w="249563">
+                  <a:extLst>
+                    <a:ext uri="{9D8B030D-6E8A-4147-A177-3AD203B41FA5}">
+                      <a16:colId xmlns:a16="http://schemas.microsoft.com/office/drawing/2014/main" val="3832184692"/>
+                    </a:ext>
+                  </a:extLst>
+                </a:gridCol>
+                <a:gridCol w="314450">
+                  <a:extLst>
+                    <a:ext uri="{9D8B030D-6E8A-4147-A177-3AD203B41FA5}">
+                      <a16:colId xmlns:a16="http://schemas.microsoft.com/office/drawing/2014/main" val="2903549104"/>
+                    </a:ext>
+                  </a:extLst>
+                </a:gridCol>
+                <a:gridCol w="249563">
+                  <a:extLst>
+                    <a:ext uri="{9D8B030D-6E8A-4147-A177-3AD203B41FA5}">
+                      <a16:colId xmlns:a16="http://schemas.microsoft.com/office/drawing/2014/main" val="1875871601"/>
+                    </a:ext>
+                  </a:extLst>
+                </a:gridCol>
+                <a:gridCol w="249563">
+                  <a:extLst>
+                    <a:ext uri="{9D8B030D-6E8A-4147-A177-3AD203B41FA5}">
+                      <a16:colId xmlns:a16="http://schemas.microsoft.com/office/drawing/2014/main" val="2472793936"/>
+                    </a:ext>
+                  </a:extLst>
+                </a:gridCol>
+              </a:tblGrid>
+              <a:tr h="370840">
+                <a:tc>
+                  <a:txBody>
+                    <a:bodyPr/>
+                    <a:lstStyle/>
+                    <a:p>
+                      <a:pPr latinLnBrk="1"/>
+                      <a:endParaRPr lang="ko-KR" altLang="en-US" dirty="0"/>
+                    </a:p>
+                  </a:txBody>
+                  <a:tcPr/>
+                </a:tc>
+                <a:tc>
+                  <a:txBody>
+                    <a:bodyPr/>
+                    <a:lstStyle/>
+                    <a:p>
+                      <a:pPr latinLnBrk="1"/>
+                      <a:endParaRPr lang="ko-KR" altLang="en-US"/>
+                    </a:p>
+                  </a:txBody>
+                  <a:tcPr/>
+                </a:tc>
+                <a:tc>
+                  <a:txBody>
+                    <a:bodyPr/>
+                    <a:lstStyle/>
+                    <a:p>
+                      <a:pPr latinLnBrk="1"/>
+                      <a:endParaRPr lang="ko-KR" altLang="en-US"/>
+                    </a:p>
+                  </a:txBody>
+                  <a:tcPr/>
+                </a:tc>
+                <a:tc>
+                  <a:txBody>
+                    <a:bodyPr/>
+                    <a:lstStyle/>
+                    <a:p>
+                      <a:pPr latinLnBrk="1"/>
+                      <a:endParaRPr lang="ko-KR" altLang="en-US" dirty="0"/>
+                    </a:p>
+                  </a:txBody>
+                  <a:tcPr/>
+                </a:tc>
+                <a:tc>
+                  <a:txBody>
+                    <a:bodyPr/>
+                    <a:lstStyle/>
+                    <a:p>
+                      <a:pPr latinLnBrk="1"/>
+                      <a:endParaRPr lang="ko-KR" altLang="en-US" dirty="0"/>
+                    </a:p>
+                  </a:txBody>
+                  <a:tcPr/>
+                </a:tc>
+                <a:extLst>
+                  <a:ext uri="{0D108BD9-81ED-4DB2-BD59-A6C34878D82A}">
+                    <a16:rowId xmlns:a16="http://schemas.microsoft.com/office/drawing/2014/main" val="3157094753"/>
+                  </a:ext>
+                </a:extLst>
+              </a:tr>
+            </a:tbl>
+          </a:graphicData>
+        </a:graphic>
+      </p:graphicFrame>
+      <p:graphicFrame>
+        <p:nvGraphicFramePr>
+          <p:cNvPr id="4" name="표 3">
+            <a:extLst>
+              <a:ext uri="{FF2B5EF4-FFF2-40B4-BE49-F238E27FC236}">
+                <a16:creationId xmlns:a16="http://schemas.microsoft.com/office/drawing/2014/main" id="{2709F0A4-583B-67A1-0DE4-2DA6ACF03E29}"/>
+              </a:ext>
+            </a:extLst>
+          </p:cNvPr>
+          <p:cNvGraphicFramePr>
+            <a:graphicFrameLocks noGrp="1"/>
+          </p:cNvGraphicFramePr>
+          <p:nvPr>
+            <p:extLst>
+              <p:ext uri="{D42A27DB-BD31-4B8C-83A1-F6EECF244321}">
+                <p14:modId xmlns:p14="http://schemas.microsoft.com/office/powerpoint/2010/main" val="286670040"/>
+              </p:ext>
+            </p:extLst>
+          </p:nvPr>
+        </p:nvGraphicFramePr>
+        <p:xfrm>
+          <a:off x="6021337" y="1344403"/>
+          <a:ext cx="1312702" cy="370840"/>
+        </p:xfrm>
+        <a:graphic>
+          <a:graphicData uri="http://schemas.openxmlformats.org/drawingml/2006/table">
+            <a:tbl>
+              <a:tblPr firstRow="1" bandRow="1">
+                <a:tableStyleId>{5C22544A-7EE6-4342-B048-85BDC9FD1C3A}</a:tableStyleId>
+              </a:tblPr>
+              <a:tblGrid>
+                <a:gridCol w="249563">
+                  <a:extLst>
+                    <a:ext uri="{9D8B030D-6E8A-4147-A177-3AD203B41FA5}">
+                      <a16:colId xmlns:a16="http://schemas.microsoft.com/office/drawing/2014/main" val="3009937085"/>
+                    </a:ext>
+                  </a:extLst>
+                </a:gridCol>
+                <a:gridCol w="249563">
+                  <a:extLst>
+                    <a:ext uri="{9D8B030D-6E8A-4147-A177-3AD203B41FA5}">
+                      <a16:colId xmlns:a16="http://schemas.microsoft.com/office/drawing/2014/main" val="3832184692"/>
+                    </a:ext>
+                  </a:extLst>
+                </a:gridCol>
+                <a:gridCol w="314450">
+                  <a:extLst>
+                    <a:ext uri="{9D8B030D-6E8A-4147-A177-3AD203B41FA5}">
+                      <a16:colId xmlns:a16="http://schemas.microsoft.com/office/drawing/2014/main" val="2903549104"/>
+                    </a:ext>
+                  </a:extLst>
+                </a:gridCol>
+                <a:gridCol w="249563">
+                  <a:extLst>
+                    <a:ext uri="{9D8B030D-6E8A-4147-A177-3AD203B41FA5}">
+                      <a16:colId xmlns:a16="http://schemas.microsoft.com/office/drawing/2014/main" val="1875871601"/>
+                    </a:ext>
+                  </a:extLst>
+                </a:gridCol>
+                <a:gridCol w="249563">
+                  <a:extLst>
+                    <a:ext uri="{9D8B030D-6E8A-4147-A177-3AD203B41FA5}">
+                      <a16:colId xmlns:a16="http://schemas.microsoft.com/office/drawing/2014/main" val="2472793936"/>
+                    </a:ext>
+                  </a:extLst>
+                </a:gridCol>
+              </a:tblGrid>
+              <a:tr h="370840">
+                <a:tc>
+                  <a:txBody>
+                    <a:bodyPr/>
+                    <a:lstStyle/>
+                    <a:p>
+                      <a:pPr latinLnBrk="1"/>
+                      <a:r>
+                        <a:rPr lang="en-US" altLang="ko-KR" dirty="0"/>
+                        <a:t>1</a:t>
+                      </a:r>
+                      <a:endParaRPr lang="ko-KR" altLang="en-US" dirty="0"/>
+                    </a:p>
+                  </a:txBody>
+                  <a:tcPr/>
+                </a:tc>
+                <a:tc>
+                  <a:txBody>
+                    <a:bodyPr/>
+                    <a:lstStyle/>
+                    <a:p>
+                      <a:pPr latinLnBrk="1"/>
+                      <a:r>
+                        <a:rPr lang="en-US" altLang="ko-KR" dirty="0"/>
+                        <a:t>2</a:t>
+                      </a:r>
+                      <a:endParaRPr lang="ko-KR" altLang="en-US" dirty="0"/>
+                    </a:p>
+                  </a:txBody>
+                  <a:tcPr/>
+                </a:tc>
+                <a:tc>
+                  <a:txBody>
+                    <a:bodyPr/>
+                    <a:lstStyle/>
+                    <a:p>
+                      <a:pPr latinLnBrk="1"/>
+                      <a:r>
+                        <a:rPr lang="en-US" altLang="ko-KR" dirty="0"/>
+                        <a:t>3</a:t>
+                      </a:r>
+                      <a:endParaRPr lang="ko-KR" altLang="en-US" dirty="0"/>
+                    </a:p>
+                  </a:txBody>
+                  <a:tcPr/>
+                </a:tc>
+                <a:tc>
+                  <a:txBody>
+                    <a:bodyPr/>
+                    <a:lstStyle/>
+                    <a:p>
+                      <a:pPr latinLnBrk="1"/>
+                      <a:r>
+                        <a:rPr lang="en-US" altLang="ko-KR" dirty="0"/>
+                        <a:t>4</a:t>
+                      </a:r>
+                      <a:endParaRPr lang="ko-KR" altLang="en-US" dirty="0"/>
+                    </a:p>
+                  </a:txBody>
+                  <a:tcPr/>
+                </a:tc>
+                <a:tc>
+                  <a:txBody>
+                    <a:bodyPr/>
+                    <a:lstStyle/>
+                    <a:p>
+                      <a:pPr latinLnBrk="1"/>
+                      <a:r>
+                        <a:rPr lang="en-US" altLang="ko-KR" dirty="0"/>
+                        <a:t>5</a:t>
+                      </a:r>
+                      <a:endParaRPr lang="ko-KR" altLang="en-US" dirty="0"/>
+                    </a:p>
+                  </a:txBody>
+                  <a:tcPr/>
+                </a:tc>
+                <a:extLst>
+                  <a:ext uri="{0D108BD9-81ED-4DB2-BD59-A6C34878D82A}">
+                    <a16:rowId xmlns:a16="http://schemas.microsoft.com/office/drawing/2014/main" val="3157094753"/>
+                  </a:ext>
+                </a:extLst>
+              </a:tr>
+            </a:tbl>
+          </a:graphicData>
+        </a:graphic>
+      </p:graphicFrame>
+      <p:graphicFrame>
+        <p:nvGraphicFramePr>
+          <p:cNvPr id="13" name="표 12">
+            <a:extLst>
+              <a:ext uri="{FF2B5EF4-FFF2-40B4-BE49-F238E27FC236}">
+                <a16:creationId xmlns:a16="http://schemas.microsoft.com/office/drawing/2014/main" id="{D96B658D-7A79-D0B4-D010-4846B3959D25}"/>
+              </a:ext>
+            </a:extLst>
+          </p:cNvPr>
+          <p:cNvGraphicFramePr>
+            <a:graphicFrameLocks noGrp="1"/>
+          </p:cNvGraphicFramePr>
+          <p:nvPr>
+            <p:extLst>
+              <p:ext uri="{D42A27DB-BD31-4B8C-83A1-F6EECF244321}">
+                <p14:modId xmlns:p14="http://schemas.microsoft.com/office/powerpoint/2010/main" val="886792781"/>
+              </p:ext>
+            </p:extLst>
+          </p:nvPr>
+        </p:nvGraphicFramePr>
+        <p:xfrm>
+          <a:off x="7392723" y="2150963"/>
+          <a:ext cx="1312701" cy="370840"/>
+        </p:xfrm>
+        <a:graphic>
+          <a:graphicData uri="http://schemas.openxmlformats.org/drawingml/2006/table">
+            <a:tbl>
+              <a:tblPr firstRow="1" bandRow="1">
+                <a:tableStyleId>{5C22544A-7EE6-4342-B048-85BDC9FD1C3A}</a:tableStyleId>
+              </a:tblPr>
+              <a:tblGrid>
+                <a:gridCol w="437567">
+                  <a:extLst>
+                    <a:ext uri="{9D8B030D-6E8A-4147-A177-3AD203B41FA5}">
+                      <a16:colId xmlns:a16="http://schemas.microsoft.com/office/drawing/2014/main" val="1823923834"/>
+                    </a:ext>
+                  </a:extLst>
+                </a:gridCol>
+                <a:gridCol w="437567">
+                  <a:extLst>
+                    <a:ext uri="{9D8B030D-6E8A-4147-A177-3AD203B41FA5}">
+                      <a16:colId xmlns:a16="http://schemas.microsoft.com/office/drawing/2014/main" val="3309500868"/>
+                    </a:ext>
+                  </a:extLst>
+                </a:gridCol>
+                <a:gridCol w="437567">
+                  <a:extLst>
+                    <a:ext uri="{9D8B030D-6E8A-4147-A177-3AD203B41FA5}">
+                      <a16:colId xmlns:a16="http://schemas.microsoft.com/office/drawing/2014/main" val="2069182742"/>
+                    </a:ext>
+                  </a:extLst>
+                </a:gridCol>
+              </a:tblGrid>
+              <a:tr h="370840">
+                <a:tc>
+                  <a:txBody>
+                    <a:bodyPr/>
+                    <a:lstStyle/>
+                    <a:p>
+                      <a:pPr latinLnBrk="1"/>
+                      <a:endParaRPr lang="ko-KR" altLang="en-US"/>
+                    </a:p>
+                  </a:txBody>
+                  <a:tcPr/>
+                </a:tc>
+                <a:tc>
+                  <a:txBody>
+                    <a:bodyPr/>
+                    <a:lstStyle/>
+                    <a:p>
+                      <a:pPr latinLnBrk="1"/>
+                      <a:endParaRPr lang="ko-KR" altLang="en-US"/>
+                    </a:p>
+                  </a:txBody>
+                  <a:tcPr/>
+                </a:tc>
+                <a:tc>
+                  <a:txBody>
+                    <a:bodyPr/>
+                    <a:lstStyle/>
+                    <a:p>
+                      <a:pPr latinLnBrk="1"/>
+                      <a:endParaRPr lang="ko-KR" altLang="en-US" dirty="0"/>
+                    </a:p>
+                  </a:txBody>
+                  <a:tcPr/>
+                </a:tc>
+                <a:extLst>
+                  <a:ext uri="{0D108BD9-81ED-4DB2-BD59-A6C34878D82A}">
+                    <a16:rowId xmlns:a16="http://schemas.microsoft.com/office/drawing/2014/main" val="305356246"/>
+                  </a:ext>
+                </a:extLst>
+              </a:tr>
+            </a:tbl>
+          </a:graphicData>
+        </a:graphic>
+      </p:graphicFrame>
+      <p:graphicFrame>
+        <p:nvGraphicFramePr>
+          <p:cNvPr id="14" name="표 13">
+            <a:extLst>
+              <a:ext uri="{FF2B5EF4-FFF2-40B4-BE49-F238E27FC236}">
+                <a16:creationId xmlns:a16="http://schemas.microsoft.com/office/drawing/2014/main" id="{FB5041E5-885F-826D-5F53-2A629A73F13A}"/>
+              </a:ext>
+            </a:extLst>
+          </p:cNvPr>
+          <p:cNvGraphicFramePr>
+            <a:graphicFrameLocks noGrp="1"/>
+          </p:cNvGraphicFramePr>
+          <p:nvPr>
+            <p:extLst>
+              <p:ext uri="{D42A27DB-BD31-4B8C-83A1-F6EECF244321}">
+                <p14:modId xmlns:p14="http://schemas.microsoft.com/office/powerpoint/2010/main" val="3998486586"/>
+              </p:ext>
+            </p:extLst>
+          </p:nvPr>
+        </p:nvGraphicFramePr>
+        <p:xfrm>
+          <a:off x="7392723" y="2685343"/>
+          <a:ext cx="1312701" cy="370840"/>
+        </p:xfrm>
+        <a:graphic>
+          <a:graphicData uri="http://schemas.openxmlformats.org/drawingml/2006/table">
+            <a:tbl>
+              <a:tblPr firstRow="1" bandRow="1">
+                <a:tableStyleId>{5C22544A-7EE6-4342-B048-85BDC9FD1C3A}</a:tableStyleId>
+              </a:tblPr>
+              <a:tblGrid>
+                <a:gridCol w="437567">
+                  <a:extLst>
+                    <a:ext uri="{9D8B030D-6E8A-4147-A177-3AD203B41FA5}">
+                      <a16:colId xmlns:a16="http://schemas.microsoft.com/office/drawing/2014/main" val="1823923834"/>
+                    </a:ext>
+                  </a:extLst>
+                </a:gridCol>
+                <a:gridCol w="437567">
+                  <a:extLst>
+                    <a:ext uri="{9D8B030D-6E8A-4147-A177-3AD203B41FA5}">
+                      <a16:colId xmlns:a16="http://schemas.microsoft.com/office/drawing/2014/main" val="3309500868"/>
+                    </a:ext>
+                  </a:extLst>
+                </a:gridCol>
+                <a:gridCol w="437567">
+                  <a:extLst>
+                    <a:ext uri="{9D8B030D-6E8A-4147-A177-3AD203B41FA5}">
+                      <a16:colId xmlns:a16="http://schemas.microsoft.com/office/drawing/2014/main" val="2069182742"/>
+                    </a:ext>
+                  </a:extLst>
+                </a:gridCol>
+              </a:tblGrid>
+              <a:tr h="370840">
+                <a:tc>
+                  <a:txBody>
+                    <a:bodyPr/>
+                    <a:lstStyle/>
+                    <a:p>
+                      <a:pPr latinLnBrk="1"/>
+                      <a:endParaRPr lang="ko-KR" altLang="en-US"/>
+                    </a:p>
+                  </a:txBody>
+                  <a:tcPr/>
+                </a:tc>
+                <a:tc>
+                  <a:txBody>
+                    <a:bodyPr/>
+                    <a:lstStyle/>
+                    <a:p>
+                      <a:pPr latinLnBrk="1"/>
+                      <a:endParaRPr lang="ko-KR" altLang="en-US"/>
+                    </a:p>
+                  </a:txBody>
+                  <a:tcPr/>
+                </a:tc>
+                <a:tc>
+                  <a:txBody>
+                    <a:bodyPr/>
+                    <a:lstStyle/>
+                    <a:p>
+                      <a:pPr latinLnBrk="1"/>
+                      <a:endParaRPr lang="ko-KR" altLang="en-US" dirty="0"/>
+                    </a:p>
+                  </a:txBody>
+                  <a:tcPr/>
+                </a:tc>
+                <a:extLst>
+                  <a:ext uri="{0D108BD9-81ED-4DB2-BD59-A6C34878D82A}">
+                    <a16:rowId xmlns:a16="http://schemas.microsoft.com/office/drawing/2014/main" val="305356246"/>
+                  </a:ext>
+                </a:extLst>
+              </a:tr>
+            </a:tbl>
+          </a:graphicData>
+        </a:graphic>
+      </p:graphicFrame>
+      <p:graphicFrame>
+        <p:nvGraphicFramePr>
+          <p:cNvPr id="15" name="표 14">
+            <a:extLst>
+              <a:ext uri="{FF2B5EF4-FFF2-40B4-BE49-F238E27FC236}">
+                <a16:creationId xmlns:a16="http://schemas.microsoft.com/office/drawing/2014/main" id="{ABB6F8A4-B797-EB85-BEA1-842F367B6815}"/>
+              </a:ext>
+            </a:extLst>
+          </p:cNvPr>
+          <p:cNvGraphicFramePr>
+            <a:graphicFrameLocks noGrp="1"/>
+          </p:cNvGraphicFramePr>
+          <p:nvPr>
+            <p:extLst>
+              <p:ext uri="{D42A27DB-BD31-4B8C-83A1-F6EECF244321}">
+                <p14:modId xmlns:p14="http://schemas.microsoft.com/office/powerpoint/2010/main" val="2004572487"/>
+              </p:ext>
+            </p:extLst>
+          </p:nvPr>
+        </p:nvGraphicFramePr>
+        <p:xfrm>
+          <a:off x="7392723" y="3269780"/>
+          <a:ext cx="1312701" cy="370840"/>
+        </p:xfrm>
+        <a:graphic>
+          <a:graphicData uri="http://schemas.openxmlformats.org/drawingml/2006/table">
+            <a:tbl>
+              <a:tblPr firstRow="1" bandRow="1">
+                <a:tableStyleId>{5C22544A-7EE6-4342-B048-85BDC9FD1C3A}</a:tableStyleId>
+              </a:tblPr>
+              <a:tblGrid>
+                <a:gridCol w="437567">
+                  <a:extLst>
+                    <a:ext uri="{9D8B030D-6E8A-4147-A177-3AD203B41FA5}">
+                      <a16:colId xmlns:a16="http://schemas.microsoft.com/office/drawing/2014/main" val="1823923834"/>
+                    </a:ext>
+                  </a:extLst>
+                </a:gridCol>
+                <a:gridCol w="437567">
+                  <a:extLst>
+                    <a:ext uri="{9D8B030D-6E8A-4147-A177-3AD203B41FA5}">
+                      <a16:colId xmlns:a16="http://schemas.microsoft.com/office/drawing/2014/main" val="3309500868"/>
+                    </a:ext>
+                  </a:extLst>
+                </a:gridCol>
+                <a:gridCol w="437567">
+                  <a:extLst>
+                    <a:ext uri="{9D8B030D-6E8A-4147-A177-3AD203B41FA5}">
+                      <a16:colId xmlns:a16="http://schemas.microsoft.com/office/drawing/2014/main" val="2069182742"/>
+                    </a:ext>
+                  </a:extLst>
+                </a:gridCol>
+              </a:tblGrid>
+              <a:tr h="370840">
+                <a:tc>
+                  <a:txBody>
+                    <a:bodyPr/>
+                    <a:lstStyle/>
+                    <a:p>
+                      <a:pPr latinLnBrk="1"/>
+                      <a:endParaRPr lang="ko-KR" altLang="en-US"/>
+                    </a:p>
+                  </a:txBody>
+                  <a:tcPr/>
+                </a:tc>
+                <a:tc>
+                  <a:txBody>
+                    <a:bodyPr/>
+                    <a:lstStyle/>
+                    <a:p>
+                      <a:pPr latinLnBrk="1"/>
+                      <a:endParaRPr lang="ko-KR" altLang="en-US"/>
+                    </a:p>
+                  </a:txBody>
+                  <a:tcPr/>
+                </a:tc>
+                <a:tc>
+                  <a:txBody>
+                    <a:bodyPr/>
+                    <a:lstStyle/>
+                    <a:p>
+                      <a:pPr latinLnBrk="1"/>
+                      <a:endParaRPr lang="ko-KR" altLang="en-US" dirty="0"/>
+                    </a:p>
+                  </a:txBody>
+                  <a:tcPr/>
+                </a:tc>
+                <a:extLst>
+                  <a:ext uri="{0D108BD9-81ED-4DB2-BD59-A6C34878D82A}">
+                    <a16:rowId xmlns:a16="http://schemas.microsoft.com/office/drawing/2014/main" val="305356246"/>
+                  </a:ext>
+                </a:extLst>
+              </a:tr>
+            </a:tbl>
+          </a:graphicData>
+        </a:graphic>
+      </p:graphicFrame>
+      <p:graphicFrame>
+        <p:nvGraphicFramePr>
+          <p:cNvPr id="16" name="표 15">
+            <a:extLst>
+              <a:ext uri="{FF2B5EF4-FFF2-40B4-BE49-F238E27FC236}">
+                <a16:creationId xmlns:a16="http://schemas.microsoft.com/office/drawing/2014/main" id="{D785518F-718F-D0DC-5D8F-D6F714EAD807}"/>
+              </a:ext>
+            </a:extLst>
+          </p:cNvPr>
+          <p:cNvGraphicFramePr>
+            <a:graphicFrameLocks noGrp="1"/>
+          </p:cNvGraphicFramePr>
+          <p:nvPr>
+            <p:extLst>
+              <p:ext uri="{D42A27DB-BD31-4B8C-83A1-F6EECF244321}">
+                <p14:modId xmlns:p14="http://schemas.microsoft.com/office/powerpoint/2010/main" val="216439663"/>
+              </p:ext>
+            </p:extLst>
+          </p:nvPr>
+        </p:nvGraphicFramePr>
+        <p:xfrm>
+          <a:off x="6428141" y="2345724"/>
+          <a:ext cx="403329" cy="1112520"/>
+        </p:xfrm>
+        <a:graphic>
+          <a:graphicData uri="http://schemas.openxmlformats.org/drawingml/2006/table">
+            <a:tbl>
+              <a:tblPr firstRow="1" bandRow="1">
+                <a:tableStyleId>{5C22544A-7EE6-4342-B048-85BDC9FD1C3A}</a:tableStyleId>
+              </a:tblPr>
+              <a:tblGrid>
+                <a:gridCol w="403329">
+                  <a:extLst>
+                    <a:ext uri="{9D8B030D-6E8A-4147-A177-3AD203B41FA5}">
+                      <a16:colId xmlns:a16="http://schemas.microsoft.com/office/drawing/2014/main" val="947989697"/>
+                    </a:ext>
+                  </a:extLst>
+                </a:gridCol>
+              </a:tblGrid>
+              <a:tr h="370840">
+                <a:tc>
+                  <a:txBody>
+                    <a:bodyPr/>
+                    <a:lstStyle/>
+                    <a:p>
+                      <a:pPr latinLnBrk="1"/>
+                      <a:r>
+                        <a:rPr lang="en-US" altLang="ko-KR" dirty="0"/>
+                        <a:t>#</a:t>
+                      </a:r>
+                      <a:endParaRPr lang="ko-KR" altLang="en-US" dirty="0"/>
+                    </a:p>
+                  </a:txBody>
+                  <a:tcPr/>
+                </a:tc>
+                <a:extLst>
+                  <a:ext uri="{0D108BD9-81ED-4DB2-BD59-A6C34878D82A}">
+                    <a16:rowId xmlns:a16="http://schemas.microsoft.com/office/drawing/2014/main" val="3200220166"/>
+                  </a:ext>
+                </a:extLst>
+              </a:tr>
+              <a:tr h="370840">
+                <a:tc>
+                  <a:txBody>
+                    <a:bodyPr/>
+                    <a:lstStyle/>
+                    <a:p>
+                      <a:pPr latinLnBrk="1"/>
+                      <a:r>
+                        <a:rPr lang="en-US" altLang="ko-KR" dirty="0"/>
+                        <a:t>#</a:t>
+                      </a:r>
+                      <a:endParaRPr lang="ko-KR" altLang="en-US" dirty="0"/>
+                    </a:p>
+                  </a:txBody>
+                  <a:tcPr/>
+                </a:tc>
+                <a:extLst>
+                  <a:ext uri="{0D108BD9-81ED-4DB2-BD59-A6C34878D82A}">
+                    <a16:rowId xmlns:a16="http://schemas.microsoft.com/office/drawing/2014/main" val="3671957540"/>
+                  </a:ext>
+                </a:extLst>
+              </a:tr>
+              <a:tr h="370840">
+                <a:tc>
+                  <a:txBody>
+                    <a:bodyPr/>
+                    <a:lstStyle/>
+                    <a:p>
+                      <a:pPr latinLnBrk="1"/>
+                      <a:r>
+                        <a:rPr lang="en-US" altLang="ko-KR" dirty="0"/>
+                        <a:t>#</a:t>
+                      </a:r>
+                      <a:endParaRPr lang="ko-KR" altLang="en-US" dirty="0"/>
+                    </a:p>
+                  </a:txBody>
+                  <a:tcPr/>
+                </a:tc>
+                <a:extLst>
+                  <a:ext uri="{0D108BD9-81ED-4DB2-BD59-A6C34878D82A}">
+                    <a16:rowId xmlns:a16="http://schemas.microsoft.com/office/drawing/2014/main" val="1521657640"/>
+                  </a:ext>
+                </a:extLst>
+              </a:tr>
+            </a:tbl>
+          </a:graphicData>
+        </a:graphic>
+      </p:graphicFrame>
+      <p:cxnSp>
+        <p:nvCxnSpPr>
+          <p:cNvPr id="22" name="연결선: 꺾임 21">
+            <a:extLst>
+              <a:ext uri="{FF2B5EF4-FFF2-40B4-BE49-F238E27FC236}">
+                <a16:creationId xmlns:a16="http://schemas.microsoft.com/office/drawing/2014/main" id="{0D47728A-A433-32E9-6870-2F4C1C9F8459}"/>
+              </a:ext>
+            </a:extLst>
+          </p:cNvPr>
+          <p:cNvCxnSpPr/>
+          <p:nvPr/>
+        </p:nvCxnSpPr>
+        <p:spPr>
+          <a:xfrm flipV="1">
+            <a:off x="2743200" y="2521803"/>
+            <a:ext cx="3667829" cy="282766"/>
+          </a:xfrm>
+          <a:prstGeom prst="bentConnector3">
+            <a:avLst/>
+          </a:prstGeom>
+          <a:ln>
+            <a:tailEnd type="triangle"/>
+          </a:ln>
+        </p:spPr>
+        <p:style>
+          <a:lnRef idx="2">
+            <a:schemeClr val="dk1"/>
+          </a:lnRef>
+          <a:fillRef idx="0">
+            <a:schemeClr val="dk1"/>
+          </a:fillRef>
+          <a:effectRef idx="1">
+            <a:schemeClr val="dk1"/>
+          </a:effectRef>
+          <a:fontRef idx="minor">
+            <a:schemeClr val="tx1"/>
+          </a:fontRef>
+        </p:style>
+      </p:cxnSp>
+      <p:cxnSp>
+        <p:nvCxnSpPr>
+          <p:cNvPr id="29" name="직선 화살표 연결선 28">
+            <a:extLst>
+              <a:ext uri="{FF2B5EF4-FFF2-40B4-BE49-F238E27FC236}">
+                <a16:creationId xmlns:a16="http://schemas.microsoft.com/office/drawing/2014/main" id="{E147D0A4-8935-1474-2AE1-F0436AE2DB2A}"/>
+              </a:ext>
+            </a:extLst>
+          </p:cNvPr>
+          <p:cNvCxnSpPr>
+            <a:endCxn id="13" idx="1"/>
+          </p:cNvCxnSpPr>
+          <p:nvPr/>
+        </p:nvCxnSpPr>
+        <p:spPr>
+          <a:xfrm flipV="1">
+            <a:off x="6831470" y="2336383"/>
+            <a:ext cx="561253" cy="185420"/>
+          </a:xfrm>
+          <a:prstGeom prst="straightConnector1">
+            <a:avLst/>
+          </a:prstGeom>
+          <a:ln>
+            <a:tailEnd type="triangle"/>
+          </a:ln>
+        </p:spPr>
+        <p:style>
+          <a:lnRef idx="2">
+            <a:schemeClr val="accent1"/>
+          </a:lnRef>
+          <a:fillRef idx="0">
+            <a:schemeClr val="accent1"/>
+          </a:fillRef>
+          <a:effectRef idx="1">
+            <a:schemeClr val="accent1"/>
+          </a:effectRef>
+          <a:fontRef idx="minor">
+            <a:schemeClr val="tx1"/>
+          </a:fontRef>
+        </p:style>
+      </p:cxnSp>
+      <p:cxnSp>
+        <p:nvCxnSpPr>
+          <p:cNvPr id="30" name="직선 화살표 연결선 29">
+            <a:extLst>
+              <a:ext uri="{FF2B5EF4-FFF2-40B4-BE49-F238E27FC236}">
+                <a16:creationId xmlns:a16="http://schemas.microsoft.com/office/drawing/2014/main" id="{C9362008-A47A-1EF9-8452-79A532BF34BB}"/>
+              </a:ext>
+            </a:extLst>
+          </p:cNvPr>
+          <p:cNvCxnSpPr>
+            <a:cxnSpLocks/>
+            <a:endCxn id="14" idx="1"/>
+          </p:cNvCxnSpPr>
+          <p:nvPr/>
+        </p:nvCxnSpPr>
+        <p:spPr>
+          <a:xfrm>
+            <a:off x="6748048" y="2855353"/>
+            <a:ext cx="644675" cy="15410"/>
+          </a:xfrm>
+          <a:prstGeom prst="straightConnector1">
+            <a:avLst/>
+          </a:prstGeom>
+          <a:ln>
+            <a:tailEnd type="triangle"/>
+          </a:ln>
+        </p:spPr>
+        <p:style>
+          <a:lnRef idx="2">
+            <a:schemeClr val="accent1"/>
+          </a:lnRef>
+          <a:fillRef idx="0">
+            <a:schemeClr val="accent1"/>
+          </a:fillRef>
+          <a:effectRef idx="1">
+            <a:schemeClr val="accent1"/>
+          </a:effectRef>
+          <a:fontRef idx="minor">
+            <a:schemeClr val="tx1"/>
+          </a:fontRef>
+        </p:style>
+      </p:cxnSp>
+      <p:cxnSp>
+        <p:nvCxnSpPr>
+          <p:cNvPr id="32" name="직선 화살표 연결선 31">
+            <a:extLst>
+              <a:ext uri="{FF2B5EF4-FFF2-40B4-BE49-F238E27FC236}">
+                <a16:creationId xmlns:a16="http://schemas.microsoft.com/office/drawing/2014/main" id="{4106AB31-B1CF-EACE-BC41-CE52C47A036D}"/>
+              </a:ext>
+            </a:extLst>
+          </p:cNvPr>
+          <p:cNvCxnSpPr>
+            <a:cxnSpLocks/>
+          </p:cNvCxnSpPr>
+          <p:nvPr/>
+        </p:nvCxnSpPr>
+        <p:spPr>
+          <a:xfrm>
+            <a:off x="6717363" y="3255202"/>
+            <a:ext cx="706044" cy="173798"/>
+          </a:xfrm>
+          <a:prstGeom prst="straightConnector1">
+            <a:avLst/>
+          </a:prstGeom>
+          <a:ln>
+            <a:tailEnd type="triangle"/>
+          </a:ln>
+        </p:spPr>
+        <p:style>
+          <a:lnRef idx="2">
+            <a:schemeClr val="accent1"/>
+          </a:lnRef>
+          <a:fillRef idx="0">
+            <a:schemeClr val="accent1"/>
+          </a:fillRef>
+          <a:effectRef idx="1">
+            <a:schemeClr val="accent1"/>
+          </a:effectRef>
+          <a:fontRef idx="minor">
+            <a:schemeClr val="tx1"/>
+          </a:fontRef>
+        </p:style>
+      </p:cxnSp>
+      <p:graphicFrame>
+        <p:nvGraphicFramePr>
+          <p:cNvPr id="45" name="표 44">
+            <a:extLst>
+              <a:ext uri="{FF2B5EF4-FFF2-40B4-BE49-F238E27FC236}">
+                <a16:creationId xmlns:a16="http://schemas.microsoft.com/office/drawing/2014/main" id="{661962F1-8188-0F25-7A32-64A5CF0774BB}"/>
+              </a:ext>
+            </a:extLst>
+          </p:cNvPr>
+          <p:cNvGraphicFramePr>
+            <a:graphicFrameLocks noGrp="1"/>
+          </p:cNvGraphicFramePr>
+          <p:nvPr>
+            <p:extLst>
+              <p:ext uri="{D42A27DB-BD31-4B8C-83A1-F6EECF244321}">
+                <p14:modId xmlns:p14="http://schemas.microsoft.com/office/powerpoint/2010/main" val="3746594278"/>
+              </p:ext>
+            </p:extLst>
+          </p:nvPr>
+        </p:nvGraphicFramePr>
+        <p:xfrm>
+          <a:off x="6398885" y="4281612"/>
+          <a:ext cx="403329" cy="1112520"/>
+        </p:xfrm>
+        <a:graphic>
+          <a:graphicData uri="http://schemas.openxmlformats.org/drawingml/2006/table">
+            <a:tbl>
+              <a:tblPr firstRow="1" bandRow="1">
+                <a:tableStyleId>{5C22544A-7EE6-4342-B048-85BDC9FD1C3A}</a:tableStyleId>
+              </a:tblPr>
+              <a:tblGrid>
+                <a:gridCol w="403329">
+                  <a:extLst>
+                    <a:ext uri="{9D8B030D-6E8A-4147-A177-3AD203B41FA5}">
+                      <a16:colId xmlns:a16="http://schemas.microsoft.com/office/drawing/2014/main" val="947989697"/>
+                    </a:ext>
+                  </a:extLst>
+                </a:gridCol>
+              </a:tblGrid>
+              <a:tr h="370840">
+                <a:tc>
+                  <a:txBody>
+                    <a:bodyPr/>
+                    <a:lstStyle/>
+                    <a:p>
+                      <a:pPr latinLnBrk="1"/>
+                      <a:r>
+                        <a:rPr lang="en-US" altLang="ko-KR" dirty="0"/>
+                        <a:t>#</a:t>
+                      </a:r>
+                      <a:endParaRPr lang="ko-KR" altLang="en-US" dirty="0"/>
+                    </a:p>
+                  </a:txBody>
+                  <a:tcPr/>
+                </a:tc>
+                <a:extLst>
+                  <a:ext uri="{0D108BD9-81ED-4DB2-BD59-A6C34878D82A}">
+                    <a16:rowId xmlns:a16="http://schemas.microsoft.com/office/drawing/2014/main" val="3200220166"/>
+                  </a:ext>
+                </a:extLst>
+              </a:tr>
+              <a:tr h="370840">
+                <a:tc>
+                  <a:txBody>
+                    <a:bodyPr/>
+                    <a:lstStyle/>
+                    <a:p>
+                      <a:pPr latinLnBrk="1"/>
+                      <a:r>
+                        <a:rPr lang="en-US" altLang="ko-KR" dirty="0"/>
+                        <a:t>#</a:t>
+                      </a:r>
+                      <a:endParaRPr lang="ko-KR" altLang="en-US" dirty="0"/>
+                    </a:p>
+                  </a:txBody>
+                  <a:tcPr/>
+                </a:tc>
+                <a:extLst>
+                  <a:ext uri="{0D108BD9-81ED-4DB2-BD59-A6C34878D82A}">
+                    <a16:rowId xmlns:a16="http://schemas.microsoft.com/office/drawing/2014/main" val="3671957540"/>
+                  </a:ext>
+                </a:extLst>
+              </a:tr>
+              <a:tr h="370840">
+                <a:tc>
+                  <a:txBody>
+                    <a:bodyPr/>
+                    <a:lstStyle/>
+                    <a:p>
+                      <a:pPr latinLnBrk="1"/>
+                      <a:r>
+                        <a:rPr lang="en-US" altLang="ko-KR" dirty="0"/>
+                        <a:t>#</a:t>
+                      </a:r>
+                      <a:endParaRPr lang="ko-KR" altLang="en-US" dirty="0"/>
+                    </a:p>
+                  </a:txBody>
+                  <a:tcPr/>
+                </a:tc>
+                <a:extLst>
+                  <a:ext uri="{0D108BD9-81ED-4DB2-BD59-A6C34878D82A}">
+                    <a16:rowId xmlns:a16="http://schemas.microsoft.com/office/drawing/2014/main" val="1521657640"/>
+                  </a:ext>
+                </a:extLst>
+              </a:tr>
+            </a:tbl>
+          </a:graphicData>
+        </a:graphic>
+      </p:graphicFrame>
+      <p:graphicFrame>
+        <p:nvGraphicFramePr>
+          <p:cNvPr id="46" name="표 45">
+            <a:extLst>
+              <a:ext uri="{FF2B5EF4-FFF2-40B4-BE49-F238E27FC236}">
+                <a16:creationId xmlns:a16="http://schemas.microsoft.com/office/drawing/2014/main" id="{1FD5B290-E472-96C2-02DD-72FD06F5A795}"/>
+              </a:ext>
+            </a:extLst>
+          </p:cNvPr>
+          <p:cNvGraphicFramePr>
+            <a:graphicFrameLocks noGrp="1"/>
+          </p:cNvGraphicFramePr>
+          <p:nvPr>
+            <p:extLst>
+              <p:ext uri="{D42A27DB-BD31-4B8C-83A1-F6EECF244321}">
+                <p14:modId xmlns:p14="http://schemas.microsoft.com/office/powerpoint/2010/main" val="1632689664"/>
+              </p:ext>
+            </p:extLst>
+          </p:nvPr>
+        </p:nvGraphicFramePr>
+        <p:xfrm>
+          <a:off x="7378167" y="4163571"/>
+          <a:ext cx="1361712" cy="370840"/>
+        </p:xfrm>
+        <a:graphic>
+          <a:graphicData uri="http://schemas.openxmlformats.org/drawingml/2006/table">
+            <a:tbl>
+              <a:tblPr firstRow="1" bandRow="1">
+                <a:tableStyleId>{5C22544A-7EE6-4342-B048-85BDC9FD1C3A}</a:tableStyleId>
+              </a:tblPr>
+              <a:tblGrid>
+                <a:gridCol w="453904">
+                  <a:extLst>
+                    <a:ext uri="{9D8B030D-6E8A-4147-A177-3AD203B41FA5}">
+                      <a16:colId xmlns:a16="http://schemas.microsoft.com/office/drawing/2014/main" val="4249056834"/>
+                    </a:ext>
+                  </a:extLst>
+                </a:gridCol>
+                <a:gridCol w="453904">
+                  <a:extLst>
+                    <a:ext uri="{9D8B030D-6E8A-4147-A177-3AD203B41FA5}">
+                      <a16:colId xmlns:a16="http://schemas.microsoft.com/office/drawing/2014/main" val="916682639"/>
+                    </a:ext>
+                  </a:extLst>
+                </a:gridCol>
+                <a:gridCol w="453904">
+                  <a:extLst>
+                    <a:ext uri="{9D8B030D-6E8A-4147-A177-3AD203B41FA5}">
+                      <a16:colId xmlns:a16="http://schemas.microsoft.com/office/drawing/2014/main" val="2757382292"/>
+                    </a:ext>
+                  </a:extLst>
+                </a:gridCol>
+              </a:tblGrid>
+              <a:tr h="370840">
+                <a:tc>
+                  <a:txBody>
+                    <a:bodyPr/>
+                    <a:lstStyle/>
+                    <a:p>
+                      <a:pPr latinLnBrk="1"/>
+                      <a:r>
+                        <a:rPr lang="en-US" altLang="ko-KR" dirty="0"/>
+                        <a:t>0</a:t>
+                      </a:r>
+                      <a:endParaRPr lang="ko-KR" altLang="en-US" dirty="0"/>
+                    </a:p>
+                  </a:txBody>
+                  <a:tcPr/>
+                </a:tc>
+                <a:tc>
+                  <a:txBody>
+                    <a:bodyPr/>
+                    <a:lstStyle/>
+                    <a:p>
+                      <a:pPr latinLnBrk="1"/>
+                      <a:r>
+                        <a:rPr lang="en-US" altLang="ko-KR" dirty="0"/>
+                        <a:t>0</a:t>
+                      </a:r>
+                      <a:endParaRPr lang="ko-KR" altLang="en-US" dirty="0"/>
+                    </a:p>
+                  </a:txBody>
+                  <a:tcPr/>
+                </a:tc>
+                <a:tc>
+                  <a:txBody>
+                    <a:bodyPr/>
+                    <a:lstStyle/>
+                    <a:p>
+                      <a:pPr latinLnBrk="1"/>
+                      <a:r>
+                        <a:rPr lang="en-US" altLang="ko-KR" dirty="0"/>
+                        <a:t>0</a:t>
+                      </a:r>
+                      <a:endParaRPr lang="ko-KR" altLang="en-US" dirty="0"/>
+                    </a:p>
+                  </a:txBody>
+                  <a:tcPr/>
+                </a:tc>
+                <a:extLst>
+                  <a:ext uri="{0D108BD9-81ED-4DB2-BD59-A6C34878D82A}">
+                    <a16:rowId xmlns:a16="http://schemas.microsoft.com/office/drawing/2014/main" val="3316180674"/>
+                  </a:ext>
+                </a:extLst>
+              </a:tr>
+            </a:tbl>
+          </a:graphicData>
+        </a:graphic>
+      </p:graphicFrame>
+      <p:graphicFrame>
+        <p:nvGraphicFramePr>
+          <p:cNvPr id="47" name="표 46">
+            <a:extLst>
+              <a:ext uri="{FF2B5EF4-FFF2-40B4-BE49-F238E27FC236}">
+                <a16:creationId xmlns:a16="http://schemas.microsoft.com/office/drawing/2014/main" id="{A61DB0D9-A711-157F-0860-257A7F660BFC}"/>
+              </a:ext>
+            </a:extLst>
+          </p:cNvPr>
+          <p:cNvGraphicFramePr>
+            <a:graphicFrameLocks noGrp="1"/>
+          </p:cNvGraphicFramePr>
+          <p:nvPr>
+            <p:extLst>
+              <p:ext uri="{D42A27DB-BD31-4B8C-83A1-F6EECF244321}">
+                <p14:modId xmlns:p14="http://schemas.microsoft.com/office/powerpoint/2010/main" val="4044805314"/>
+              </p:ext>
+            </p:extLst>
+          </p:nvPr>
+        </p:nvGraphicFramePr>
+        <p:xfrm>
+          <a:off x="7378167" y="4635055"/>
+          <a:ext cx="843740" cy="365760"/>
+        </p:xfrm>
+        <a:graphic>
+          <a:graphicData uri="http://schemas.openxmlformats.org/drawingml/2006/table">
+            <a:tbl>
+              <a:tblPr firstRow="1" bandRow="1">
+                <a:tableStyleId>{5C22544A-7EE6-4342-B048-85BDC9FD1C3A}</a:tableStyleId>
+              </a:tblPr>
+              <a:tblGrid>
+                <a:gridCol w="421870">
+                  <a:extLst>
+                    <a:ext uri="{9D8B030D-6E8A-4147-A177-3AD203B41FA5}">
+                      <a16:colId xmlns:a16="http://schemas.microsoft.com/office/drawing/2014/main" val="3651413129"/>
+                    </a:ext>
+                  </a:extLst>
+                </a:gridCol>
+                <a:gridCol w="421870">
+                  <a:extLst>
+                    <a:ext uri="{9D8B030D-6E8A-4147-A177-3AD203B41FA5}">
+                      <a16:colId xmlns:a16="http://schemas.microsoft.com/office/drawing/2014/main" val="1485914164"/>
+                    </a:ext>
+                  </a:extLst>
+                </a:gridCol>
+              </a:tblGrid>
+              <a:tr h="269035">
+                <a:tc>
+                  <a:txBody>
+                    <a:bodyPr/>
+                    <a:lstStyle/>
+                    <a:p>
+                      <a:pPr latinLnBrk="1"/>
+                      <a:r>
+                        <a:rPr lang="en-US" altLang="ko-KR" dirty="0"/>
+                        <a:t>0</a:t>
+                      </a:r>
+                      <a:endParaRPr lang="ko-KR" altLang="en-US" dirty="0"/>
+                    </a:p>
+                  </a:txBody>
+                  <a:tcPr/>
+                </a:tc>
+                <a:tc>
+                  <a:txBody>
+                    <a:bodyPr/>
+                    <a:lstStyle/>
+                    <a:p>
+                      <a:pPr latinLnBrk="1"/>
+                      <a:r>
+                        <a:rPr lang="en-US" altLang="ko-KR" dirty="0"/>
+                        <a:t>0</a:t>
+                      </a:r>
+                      <a:endParaRPr lang="ko-KR" altLang="en-US" dirty="0"/>
+                    </a:p>
+                  </a:txBody>
+                  <a:tcPr/>
+                </a:tc>
+                <a:extLst>
+                  <a:ext uri="{0D108BD9-81ED-4DB2-BD59-A6C34878D82A}">
+                    <a16:rowId xmlns:a16="http://schemas.microsoft.com/office/drawing/2014/main" val="3863861932"/>
+                  </a:ext>
+                </a:extLst>
+              </a:tr>
+            </a:tbl>
+          </a:graphicData>
+        </a:graphic>
+      </p:graphicFrame>
+      <p:graphicFrame>
+        <p:nvGraphicFramePr>
+          <p:cNvPr id="48" name="표 47">
+            <a:extLst>
+              <a:ext uri="{FF2B5EF4-FFF2-40B4-BE49-F238E27FC236}">
+                <a16:creationId xmlns:a16="http://schemas.microsoft.com/office/drawing/2014/main" id="{9351F17E-15E5-89BF-A1D2-182965A1F6D9}"/>
+              </a:ext>
+            </a:extLst>
+          </p:cNvPr>
+          <p:cNvGraphicFramePr>
+            <a:graphicFrameLocks noGrp="1"/>
+          </p:cNvGraphicFramePr>
+          <p:nvPr>
+            <p:extLst>
+              <p:ext uri="{D42A27DB-BD31-4B8C-83A1-F6EECF244321}">
+                <p14:modId xmlns:p14="http://schemas.microsoft.com/office/powerpoint/2010/main" val="2969558969"/>
+              </p:ext>
+            </p:extLst>
+          </p:nvPr>
+        </p:nvGraphicFramePr>
+        <p:xfrm>
+          <a:off x="7378167" y="5138177"/>
+          <a:ext cx="403329" cy="370840"/>
+        </p:xfrm>
+        <a:graphic>
+          <a:graphicData uri="http://schemas.openxmlformats.org/drawingml/2006/table">
+            <a:tbl>
+              <a:tblPr firstRow="1" bandRow="1">
+                <a:tableStyleId>{5C22544A-7EE6-4342-B048-85BDC9FD1C3A}</a:tableStyleId>
+              </a:tblPr>
+              <a:tblGrid>
+                <a:gridCol w="403329">
+                  <a:extLst>
+                    <a:ext uri="{9D8B030D-6E8A-4147-A177-3AD203B41FA5}">
+                      <a16:colId xmlns:a16="http://schemas.microsoft.com/office/drawing/2014/main" val="4129404662"/>
+                    </a:ext>
+                  </a:extLst>
+                </a:gridCol>
+              </a:tblGrid>
+              <a:tr h="370840">
+                <a:tc>
+                  <a:txBody>
+                    <a:bodyPr/>
+                    <a:lstStyle/>
+                    <a:p>
+                      <a:pPr latinLnBrk="1"/>
+                      <a:r>
+                        <a:rPr lang="en-US" altLang="ko-KR" dirty="0"/>
+                        <a:t>0</a:t>
+                      </a:r>
+                      <a:endParaRPr lang="ko-KR" altLang="en-US" dirty="0"/>
+                    </a:p>
+                  </a:txBody>
+                  <a:tcPr/>
+                </a:tc>
+                <a:extLst>
+                  <a:ext uri="{0D108BD9-81ED-4DB2-BD59-A6C34878D82A}">
+                    <a16:rowId xmlns:a16="http://schemas.microsoft.com/office/drawing/2014/main" val="2647757057"/>
+                  </a:ext>
+                </a:extLst>
+              </a:tr>
+            </a:tbl>
+          </a:graphicData>
+        </a:graphic>
+      </p:graphicFrame>
+      <p:cxnSp>
+        <p:nvCxnSpPr>
+          <p:cNvPr id="50" name="직선 화살표 연결선 49">
+            <a:extLst>
+              <a:ext uri="{FF2B5EF4-FFF2-40B4-BE49-F238E27FC236}">
+                <a16:creationId xmlns:a16="http://schemas.microsoft.com/office/drawing/2014/main" id="{7F35059D-9E21-CDB7-709F-2CBB3E0133BF}"/>
+              </a:ext>
+            </a:extLst>
+          </p:cNvPr>
+          <p:cNvCxnSpPr>
+            <a:endCxn id="46" idx="1"/>
+          </p:cNvCxnSpPr>
+          <p:nvPr/>
+        </p:nvCxnSpPr>
+        <p:spPr>
+          <a:xfrm flipV="1">
+            <a:off x="6802214" y="4348991"/>
+            <a:ext cx="575953" cy="51559"/>
+          </a:xfrm>
+          <a:prstGeom prst="straightConnector1">
+            <a:avLst/>
+          </a:prstGeom>
+          <a:ln>
+            <a:tailEnd type="triangle"/>
+          </a:ln>
+        </p:spPr>
+        <p:style>
+          <a:lnRef idx="2">
+            <a:schemeClr val="accent1"/>
+          </a:lnRef>
+          <a:fillRef idx="0">
+            <a:schemeClr val="accent1"/>
+          </a:fillRef>
+          <a:effectRef idx="1">
+            <a:schemeClr val="accent1"/>
+          </a:effectRef>
+          <a:fontRef idx="minor">
+            <a:schemeClr val="tx1"/>
+          </a:fontRef>
+        </p:style>
+      </p:cxnSp>
+      <p:cxnSp>
+        <p:nvCxnSpPr>
+          <p:cNvPr id="52" name="직선 화살표 연결선 51">
+            <a:extLst>
+              <a:ext uri="{FF2B5EF4-FFF2-40B4-BE49-F238E27FC236}">
+                <a16:creationId xmlns:a16="http://schemas.microsoft.com/office/drawing/2014/main" id="{3F62B315-3254-22DC-B99A-864A276689A7}"/>
+              </a:ext>
+            </a:extLst>
+          </p:cNvPr>
+          <p:cNvCxnSpPr>
+            <a:endCxn id="47" idx="1"/>
+          </p:cNvCxnSpPr>
+          <p:nvPr/>
+        </p:nvCxnSpPr>
+        <p:spPr>
+          <a:xfrm flipV="1">
+            <a:off x="6717363" y="4817935"/>
+            <a:ext cx="660804" cy="19937"/>
+          </a:xfrm>
+          <a:prstGeom prst="straightConnector1">
+            <a:avLst/>
+          </a:prstGeom>
+          <a:ln>
+            <a:tailEnd type="triangle"/>
+          </a:ln>
+        </p:spPr>
+        <p:style>
+          <a:lnRef idx="2">
+            <a:schemeClr val="accent1"/>
+          </a:lnRef>
+          <a:fillRef idx="0">
+            <a:schemeClr val="accent1"/>
+          </a:fillRef>
+          <a:effectRef idx="1">
+            <a:schemeClr val="accent1"/>
+          </a:effectRef>
+          <a:fontRef idx="minor">
+            <a:schemeClr val="tx1"/>
+          </a:fontRef>
+        </p:style>
+      </p:cxnSp>
+      <p:cxnSp>
+        <p:nvCxnSpPr>
+          <p:cNvPr id="54" name="직선 화살표 연결선 53">
+            <a:extLst>
+              <a:ext uri="{FF2B5EF4-FFF2-40B4-BE49-F238E27FC236}">
+                <a16:creationId xmlns:a16="http://schemas.microsoft.com/office/drawing/2014/main" id="{37BA2F7A-DF14-7ABF-E9FF-B7DB5C2A0015}"/>
+              </a:ext>
+            </a:extLst>
+          </p:cNvPr>
+          <p:cNvCxnSpPr>
+            <a:endCxn id="48" idx="1"/>
+          </p:cNvCxnSpPr>
+          <p:nvPr/>
+        </p:nvCxnSpPr>
+        <p:spPr>
+          <a:xfrm>
+            <a:off x="6748048" y="5138177"/>
+            <a:ext cx="630119" cy="185420"/>
+          </a:xfrm>
+          <a:prstGeom prst="straightConnector1">
+            <a:avLst/>
+          </a:prstGeom>
+          <a:ln>
+            <a:tailEnd type="triangle"/>
+          </a:ln>
+        </p:spPr>
+        <p:style>
+          <a:lnRef idx="2">
+            <a:schemeClr val="accent1"/>
+          </a:lnRef>
+          <a:fillRef idx="0">
+            <a:schemeClr val="accent1"/>
+          </a:fillRef>
+          <a:effectRef idx="1">
+            <a:schemeClr val="accent1"/>
+          </a:effectRef>
+          <a:fontRef idx="minor">
+            <a:schemeClr val="tx1"/>
+          </a:fontRef>
+        </p:style>
+      </p:cxnSp>
+      <p:cxnSp>
+        <p:nvCxnSpPr>
+          <p:cNvPr id="56" name="직선 화살표 연결선 55">
+            <a:extLst>
+              <a:ext uri="{FF2B5EF4-FFF2-40B4-BE49-F238E27FC236}">
+                <a16:creationId xmlns:a16="http://schemas.microsoft.com/office/drawing/2014/main" id="{926F41A0-815E-3FA5-E948-620DF022A586}"/>
+              </a:ext>
+            </a:extLst>
+          </p:cNvPr>
+          <p:cNvCxnSpPr/>
+          <p:nvPr/>
+        </p:nvCxnSpPr>
+        <p:spPr>
+          <a:xfrm>
+            <a:off x="2743200" y="3255202"/>
+            <a:ext cx="3667829" cy="1218607"/>
+          </a:xfrm>
+          <a:prstGeom prst="straightConnector1">
+            <a:avLst/>
+          </a:prstGeom>
+          <a:ln>
+            <a:tailEnd type="triangle"/>
+          </a:ln>
+        </p:spPr>
+        <p:style>
+          <a:lnRef idx="2">
+            <a:schemeClr val="accent1"/>
+          </a:lnRef>
+          <a:fillRef idx="0">
+            <a:schemeClr val="accent1"/>
+          </a:fillRef>
+          <a:effectRef idx="1">
+            <a:schemeClr val="accent1"/>
+          </a:effectRef>
+          <a:fontRef idx="minor">
+            <a:schemeClr val="tx1"/>
+          </a:fontRef>
+        </p:style>
+      </p:cxnSp>
+    </p:spTree>
+    <p:extLst>
+      <p:ext uri="{BB962C8B-B14F-4D97-AF65-F5344CB8AC3E}">
+        <p14:creationId xmlns:p14="http://schemas.microsoft.com/office/powerpoint/2010/main" val="3066232490"/>
       </p:ext>
     </p:extLst>
   </p:cSld>
